--- a/Phase 1 Project - Sabina Bains - 10.13.21 Final.pptx
+++ b/Phase 1 Project - Sabina Bains - 10.13.21 Final.pptx
@@ -6,13 +6,12 @@
   </p:sldMasterIdLst>
   <p:sldIdLst>
     <p:sldId id="256" r:id="rId2"/>
-    <p:sldId id="257" r:id="rId3"/>
-    <p:sldId id="261" r:id="rId4"/>
-    <p:sldId id="258" r:id="rId5"/>
-    <p:sldId id="262" r:id="rId6"/>
-    <p:sldId id="264" r:id="rId7"/>
-    <p:sldId id="263" r:id="rId8"/>
-    <p:sldId id="265" r:id="rId9"/>
+    <p:sldId id="266" r:id="rId3"/>
+    <p:sldId id="258" r:id="rId4"/>
+    <p:sldId id="262" r:id="rId5"/>
+    <p:sldId id="264" r:id="rId6"/>
+    <p:sldId id="263" r:id="rId7"/>
+    <p:sldId id="265" r:id="rId8"/>
   </p:sldIdLst>
   <p:sldSz cx="12192000" cy="6858000"/>
   <p:notesSz cx="6858000" cy="9144000"/>
@@ -5790,7 +5789,7 @@
             <a:fld id="{B61BEF0D-F0BB-DE4B-95CE-6DB70DBA9567}" type="datetimeFigureOut">
               <a:rPr lang="en-US" dirty="0"/>
               <a:pPr/>
-              <a:t>10/13/21</a:t>
+              <a:t>1/17/22</a:t>
             </a:fld>
             <a:endParaRPr lang="en-US" dirty="0"/>
           </a:p>
@@ -6049,7 +6048,7 @@
             <a:fld id="{B61BEF0D-F0BB-DE4B-95CE-6DB70DBA9567}" type="datetimeFigureOut">
               <a:rPr lang="en-US" dirty="0"/>
               <a:pPr/>
-              <a:t>10/13/21</a:t>
+              <a:t>1/17/22</a:t>
             </a:fld>
             <a:endParaRPr lang="en-US" dirty="0"/>
           </a:p>
@@ -6281,7 +6280,7 @@
             <a:fld id="{B61BEF0D-F0BB-DE4B-95CE-6DB70DBA9567}" type="datetimeFigureOut">
               <a:rPr lang="en-US" dirty="0"/>
               <a:pPr/>
-              <a:t>10/13/21</a:t>
+              <a:t>1/17/22</a:t>
             </a:fld>
             <a:endParaRPr lang="en-US" dirty="0"/>
           </a:p>
@@ -6518,7 +6517,7 @@
             <a:fld id="{B61BEF0D-F0BB-DE4B-95CE-6DB70DBA9567}" type="datetimeFigureOut">
               <a:rPr lang="en-US" dirty="0"/>
               <a:pPr/>
-              <a:t>10/13/21</a:t>
+              <a:t>1/17/22</a:t>
             </a:fld>
             <a:endParaRPr lang="en-US" dirty="0"/>
           </a:p>
@@ -6822,7 +6821,7 @@
             <a:fld id="{B61BEF0D-F0BB-DE4B-95CE-6DB70DBA9567}" type="datetimeFigureOut">
               <a:rPr lang="en-US" dirty="0"/>
               <a:pPr/>
-              <a:t>10/13/21</a:t>
+              <a:t>1/17/22</a:t>
             </a:fld>
             <a:endParaRPr lang="en-US" dirty="0"/>
           </a:p>
@@ -7121,7 +7120,7 @@
             <a:fld id="{B61BEF0D-F0BB-DE4B-95CE-6DB70DBA9567}" type="datetimeFigureOut">
               <a:rPr lang="en-US" dirty="0"/>
               <a:pPr/>
-              <a:t>10/13/21</a:t>
+              <a:t>1/17/22</a:t>
             </a:fld>
             <a:endParaRPr lang="en-US" dirty="0"/>
           </a:p>
@@ -7540,7 +7539,7 @@
             <a:fld id="{B61BEF0D-F0BB-DE4B-95CE-6DB70DBA9567}" type="datetimeFigureOut">
               <a:rPr lang="en-US" dirty="0"/>
               <a:pPr/>
-              <a:t>10/13/21</a:t>
+              <a:t>1/17/22</a:t>
             </a:fld>
             <a:endParaRPr lang="en-US" dirty="0"/>
           </a:p>
@@ -7699,7 +7698,7 @@
             <a:fld id="{B61BEF0D-F0BB-DE4B-95CE-6DB70DBA9567}" type="datetimeFigureOut">
               <a:rPr lang="en-US" dirty="0"/>
               <a:pPr/>
-              <a:t>10/13/21</a:t>
+              <a:t>1/17/22</a:t>
             </a:fld>
             <a:endParaRPr lang="en-US" dirty="0"/>
           </a:p>
@@ -7791,7 +7790,7 @@
             <a:fld id="{B61BEF0D-F0BB-DE4B-95CE-6DB70DBA9567}" type="datetimeFigureOut">
               <a:rPr lang="en-US" dirty="0"/>
               <a:pPr/>
-              <a:t>10/13/21</a:t>
+              <a:t>1/17/22</a:t>
             </a:fld>
             <a:endParaRPr lang="en-US" dirty="0"/>
           </a:p>
@@ -8166,7 +8165,7 @@
             <a:fld id="{B61BEF0D-F0BB-DE4B-95CE-6DB70DBA9567}" type="datetimeFigureOut">
               <a:rPr lang="en-US" dirty="0"/>
               <a:pPr/>
-              <a:t>10/13/21</a:t>
+              <a:t>1/17/22</a:t>
             </a:fld>
             <a:endParaRPr lang="en-US" dirty="0"/>
           </a:p>
@@ -8452,7 +8451,7 @@
             <a:fld id="{B61BEF0D-F0BB-DE4B-95CE-6DB70DBA9567}" type="datetimeFigureOut">
               <a:rPr lang="en-US" dirty="0"/>
               <a:pPr/>
-              <a:t>10/13/21</a:t>
+              <a:t>1/17/22</a:t>
             </a:fld>
             <a:endParaRPr lang="en-US" dirty="0"/>
           </a:p>
@@ -8660,7 +8659,7 @@
             <a:fld id="{B61BEF0D-F0BB-DE4B-95CE-6DB70DBA9567}" type="datetimeFigureOut">
               <a:rPr lang="en-US" dirty="0"/>
               <a:pPr/>
-              <a:t>10/13/21</a:t>
+              <a:t>1/17/22</a:t>
             </a:fld>
             <a:endParaRPr lang="en-US" dirty="0"/>
           </a:p>
@@ -9267,7 +9266,7 @@
       </p:grpSpPr>
       <p:sp>
         <p:nvSpPr>
-          <p:cNvPr id="135" name="Rectangle 134">
+          <p:cNvPr id="192" name="Rectangle 191">
             <a:extLst>
               <a:ext uri="{FF2B5EF4-FFF2-40B4-BE49-F238E27FC236}">
                 <a16:creationId xmlns:a16="http://schemas.microsoft.com/office/drawing/2014/main" id="{F7207B7B-5C57-458C-BE38-95D2CD7655BB}"/>
@@ -9330,7 +9329,7 @@
       </p:sp>
       <p:sp>
         <p:nvSpPr>
-          <p:cNvPr id="137" name="Rectangle 136">
+          <p:cNvPr id="193" name="Rectangle 192">
             <a:extLst>
               <a:ext uri="{FF2B5EF4-FFF2-40B4-BE49-F238E27FC236}">
                 <a16:creationId xmlns:a16="http://schemas.microsoft.com/office/drawing/2014/main" id="{9822E561-F97C-4CBB-A9A6-A6BF6317BC84}"/>
@@ -9408,18 +9407,18 @@
           </a:xfrm>
         </p:spPr>
         <p:txBody>
-          <a:bodyPr anchor="ctr">
+          <a:bodyPr vert="horz" lIns="91440" tIns="45720" rIns="91440" bIns="45720" rtlCol="0" anchor="ctr">
             <a:normAutofit/>
           </a:bodyPr>
           <a:lstStyle/>
           <a:p>
             <a:r>
-              <a:rPr lang="en-US">
+              <a:rPr lang="en-US" dirty="0">
                 <a:solidFill>
                   <a:schemeClr val="tx1"/>
                 </a:solidFill>
               </a:rPr>
-              <a:t>MICROSOFT MOVIE STUDIO ANALYSIS</a:t>
+              <a:t>BUDGET ANALYSIS FOR KCHA HOUSING PROGRAM</a:t>
             </a:r>
           </a:p>
         </p:txBody>
@@ -9447,35 +9446,35 @@
           </a:xfrm>
         </p:spPr>
         <p:txBody>
-          <a:bodyPr anchor="t">
+          <a:bodyPr vert="horz" lIns="91440" tIns="45720" rIns="91440" bIns="45720" rtlCol="0" anchor="t">
             <a:normAutofit/>
           </a:bodyPr>
           <a:lstStyle/>
           <a:p>
             <a:r>
-              <a:rPr lang="en-US" sz="2000">
+              <a:rPr lang="en-US" sz="2000" dirty="0">
                 <a:solidFill>
                   <a:schemeClr val="accent1"/>
                 </a:solidFill>
               </a:rPr>
-              <a:t>Sabina Bains</a:t>
+              <a:t>SABINA BAINS</a:t>
             </a:r>
           </a:p>
           <a:p>
             <a:r>
-              <a:rPr lang="en-US" sz="2000">
+              <a:rPr lang="en-US" sz="2000" dirty="0">
                 <a:solidFill>
                   <a:schemeClr val="accent1"/>
                 </a:solidFill>
               </a:rPr>
-              <a:t>October 2021</a:t>
+              <a:t>JANUARY 2022</a:t>
             </a:r>
           </a:p>
         </p:txBody>
       </p:sp>
       <p:sp>
         <p:nvSpPr>
-          <p:cNvPr id="139" name="Rectangle 138">
+          <p:cNvPr id="194" name="Rectangle 193">
             <a:extLst>
               <a:ext uri="{FF2B5EF4-FFF2-40B4-BE49-F238E27FC236}">
                 <a16:creationId xmlns:a16="http://schemas.microsoft.com/office/drawing/2014/main" id="{B01B0E58-A5C8-4CDA-A2E0-35DF94E59857}"/>
@@ -9529,10 +9528,10 @@
       </p:sp>
       <p:pic>
         <p:nvPicPr>
-          <p:cNvPr id="1026" name="Picture 2" descr="Microsoft Logo transparent PNG - StickPNG">
+          <p:cNvPr id="1030" name="Picture 6">
             <a:extLst>
               <a:ext uri="{FF2B5EF4-FFF2-40B4-BE49-F238E27FC236}">
-                <a16:creationId xmlns:a16="http://schemas.microsoft.com/office/drawing/2014/main" id="{16653450-1CDE-E94E-9BC8-E75933C8B89D}"/>
+                <a16:creationId xmlns:a16="http://schemas.microsoft.com/office/drawing/2014/main" id="{48A5EEEA-2678-E748-B90A-262034ED3302}"/>
               </a:ext>
             </a:extLst>
           </p:cNvPr>
@@ -9555,8 +9554,8 @@
         </p:blipFill>
         <p:spPr bwMode="auto">
           <a:xfrm>
-            <a:off x="643465" y="2766483"/>
-            <a:ext cx="6253164" cy="1344429"/>
+            <a:off x="979157" y="647808"/>
+            <a:ext cx="5581779" cy="5581779"/>
           </a:xfrm>
           <a:prstGeom prst="rect">
             <a:avLst/>
@@ -9573,6 +9572,75 @@
           </a:extLst>
         </p:spPr>
       </p:pic>
+      <p:sp>
+        <p:nvSpPr>
+          <p:cNvPr id="4" name="Rectangle 3">
+            <a:extLst>
+              <a:ext uri="{FF2B5EF4-FFF2-40B4-BE49-F238E27FC236}">
+                <a16:creationId xmlns:a16="http://schemas.microsoft.com/office/drawing/2014/main" id="{F1EAF6C9-1FB6-654B-A106-974576F62534}"/>
+              </a:ext>
+            </a:extLst>
+          </p:cNvPr>
+          <p:cNvSpPr/>
+          <p:nvPr/>
+        </p:nvSpPr>
+        <p:spPr>
+          <a:xfrm>
+            <a:off x="1474215" y="1132095"/>
+            <a:ext cx="4589270" cy="1154162"/>
+          </a:xfrm>
+          <a:prstGeom prst="rect">
+            <a:avLst/>
+          </a:prstGeom>
+          <a:noFill/>
+        </p:spPr>
+        <p:txBody>
+          <a:bodyPr wrap="none" lIns="91440" tIns="45720" rIns="91440" bIns="45720">
+            <a:spAutoFit/>
+          </a:bodyPr>
+          <a:lstStyle/>
+          <a:p>
+            <a:pPr algn="ctr">
+              <a:spcAft>
+                <a:spcPts val="600"/>
+              </a:spcAft>
+            </a:pPr>
+            <a:r>
+              <a:rPr lang="en-US" sz="3200" dirty="0">
+                <a:ln w="0"/>
+                <a:effectLst>
+                  <a:outerShdw blurRad="38100" dist="19050" dir="2700000" algn="tl" rotWithShape="0">
+                    <a:schemeClr val="dk1">
+                      <a:alpha val="40000"/>
+                    </a:schemeClr>
+                  </a:outerShdw>
+                </a:effectLst>
+              </a:rPr>
+              <a:t>KING COUNTY</a:t>
+            </a:r>
+          </a:p>
+          <a:p>
+            <a:pPr algn="ctr">
+              <a:spcAft>
+                <a:spcPts val="600"/>
+              </a:spcAft>
+            </a:pPr>
+            <a:r>
+              <a:rPr lang="en-US" sz="3200" dirty="0">
+                <a:ln w="0"/>
+                <a:effectLst>
+                  <a:outerShdw blurRad="38100" dist="19050" dir="2700000" algn="tl" rotWithShape="0">
+                    <a:schemeClr val="dk1">
+                      <a:alpha val="40000"/>
+                    </a:schemeClr>
+                  </a:outerShdw>
+                </a:effectLst>
+              </a:rPr>
+              <a:t>HEALING ASSOCIATION</a:t>
+            </a:r>
+          </a:p>
+        </p:txBody>
+      </p:sp>
     </p:spTree>
     <p:extLst>
       <p:ext uri="{BB962C8B-B14F-4D97-AF65-F5344CB8AC3E}">
@@ -9626,7 +9694,7 @@
           <a:p>
             <a:r>
               <a:rPr lang="en-US" dirty="0"/>
-              <a:t>OBJECTIVE AND METHODOLOGY</a:t>
+              <a:t>OBJECTIVE</a:t>
             </a:r>
           </a:p>
         </p:txBody>
@@ -9650,56 +9718,31 @@
         <p:spPr/>
         <p:txBody>
           <a:bodyPr anchor="t">
-            <a:normAutofit/>
+            <a:normAutofit lnSpcReduction="10000"/>
           </a:bodyPr>
           <a:lstStyle/>
           <a:p>
             <a:r>
               <a:rPr lang="en-US" sz="2000" dirty="0"/>
-              <a:t>Explore historical movie data to determine types of movies that are most successful at the box office for Microsoft’s studio to utilize. This exploratory analysis dives into the following topics:</a:t>
-            </a:r>
-          </a:p>
-          <a:p>
-            <a:pPr lvl="3"/>
-            <a:r>
-              <a:rPr lang="en-US" sz="1800" dirty="0"/>
-              <a:t>Genre Analysis</a:t>
-            </a:r>
-          </a:p>
-          <a:p>
-            <a:pPr lvl="3"/>
-            <a:r>
-              <a:rPr lang="en-US" sz="1800" dirty="0"/>
-              <a:t>Crew Analysis</a:t>
-            </a:r>
-          </a:p>
-          <a:p>
-            <a:pPr lvl="3"/>
-            <a:r>
-              <a:rPr lang="en-US" sz="1800" dirty="0"/>
-              <a:t>Monthly Trends</a:t>
+              <a:t>King County Healing Association, a nonprofit dedicated to helping previously incarcerated individuals re-enter their communities, wants to create a new program to help relieve aspiring homeowners of discrimination in the housing process.</a:t>
             </a:r>
           </a:p>
           <a:p>
             <a:r>
               <a:rPr lang="en-US" sz="2000" dirty="0"/>
-              <a:t>Data is sourced from The Numbers (https://</a:t>
+              <a:t>KCHA will purchase homes for applicants and take care of the down payment. The new tenants can then pay off their mortgage to the organization monthly, while additionally paying back the down payment over time</a:t>
             </a:r>
-            <a:r>
-              <a:rPr lang="en-US" sz="2000" dirty="0" err="1"/>
-              <a:t>www.the-numbers.com</a:t>
-            </a:r>
+          </a:p>
+          <a:p>
             <a:r>
               <a:rPr lang="en-US" sz="2000" dirty="0"/>
-              <a:t>/) and IMDB (https://</a:t>
+              <a:t>KCHA has 5 families in mind to assist during their first year of the program, which they plan to roll out in 3 years. Therefore, we need to estimate the sum of down payments based on the applicant’s parole office location (if applicable), household size, and other general preferences.</a:t>
             </a:r>
-            <a:r>
-              <a:rPr lang="en-US" sz="2000" dirty="0" err="1"/>
-              <a:t>www.imdb.com</a:t>
-            </a:r>
+          </a:p>
+          <a:p>
             <a:r>
               <a:rPr lang="en-US" sz="2000" dirty="0"/>
-              <a:t>)</a:t>
+              <a:t>KCHA is also interested in which factors affect price the most, and if they need to mention and limitations in their program. </a:t>
             </a:r>
           </a:p>
         </p:txBody>
@@ -9707,7 +9750,7 @@
     </p:spTree>
     <p:extLst>
       <p:ext uri="{BB962C8B-B14F-4D97-AF65-F5344CB8AC3E}">
-        <p14:creationId xmlns:p14="http://schemas.microsoft.com/office/powerpoint/2010/main" val="2253106434"/>
+        <p14:creationId xmlns:p14="http://schemas.microsoft.com/office/powerpoint/2010/main" val="1145096736"/>
       </p:ext>
     </p:extLst>
   </p:cSld>
@@ -9718,395 +9761,6 @@
 </file>
 
 <file path=ppt/slides/slide3.xml><?xml version="1.0" encoding="utf-8"?>
-<p:sld xmlns:a="http://schemas.openxmlformats.org/drawingml/2006/main" xmlns:r="http://schemas.openxmlformats.org/officeDocument/2006/relationships" xmlns:p="http://schemas.openxmlformats.org/presentationml/2006/main">
-  <p:cSld>
-    <p:bg>
-      <p:bgPr>
-        <a:solidFill>
-          <a:schemeClr val="bg2"/>
-        </a:solidFill>
-        <a:effectLst/>
-      </p:bgPr>
-    </p:bg>
-    <p:spTree>
-      <p:nvGrpSpPr>
-        <p:cNvPr id="1" name=""/>
-        <p:cNvGrpSpPr/>
-        <p:nvPr/>
-      </p:nvGrpSpPr>
-      <p:grpSpPr>
-        <a:xfrm>
-          <a:off x="0" y="0"/>
-          <a:ext cx="0" cy="0"/>
-          <a:chOff x="0" y="0"/>
-          <a:chExt cx="0" cy="0"/>
-        </a:xfrm>
-      </p:grpSpPr>
-      <p:sp useBgFill="1">
-        <p:nvSpPr>
-          <p:cNvPr id="8" name="Rectangle 7">
-            <a:extLst>
-              <a:ext uri="{FF2B5EF4-FFF2-40B4-BE49-F238E27FC236}">
-                <a16:creationId xmlns:a16="http://schemas.microsoft.com/office/drawing/2014/main" id="{328C565D-A991-4381-AC37-76A58A4A128F}"/>
-              </a:ext>
-              <a:ext uri="{C183D7F6-B498-43B3-948B-1728B52AA6E4}">
-                <adec:decorative xmlns:adec="http://schemas.microsoft.com/office/drawing/2017/decorative" val="1"/>
-              </a:ext>
-            </a:extLst>
-          </p:cNvPr>
-          <p:cNvSpPr>
-            <a:spLocks noGrp="1" noRot="1" noChangeAspect="1" noMove="1" noResize="1" noEditPoints="1" noAdjustHandles="1" noChangeArrowheads="1" noChangeShapeType="1" noTextEdit="1"/>
-          </p:cNvSpPr>
-          <p:nvPr>
-            <p:extLst>
-              <p:ext uri="{386F3935-93C4-4BCD-93E2-E3B085C9AB24}">
-                <p16:designElem xmlns:p16="http://schemas.microsoft.com/office/powerpoint/2015/main" val="1"/>
-              </p:ext>
-            </p:extLst>
-          </p:nvPr>
-        </p:nvSpPr>
-        <p:spPr>
-          <a:xfrm>
-            <a:off x="0" y="0"/>
-            <a:ext cx="12192000" cy="6858000"/>
-          </a:xfrm>
-          <a:prstGeom prst="rect">
-            <a:avLst/>
-          </a:prstGeom>
-          <a:ln>
-            <a:noFill/>
-          </a:ln>
-        </p:spPr>
-        <p:style>
-          <a:lnRef idx="2">
-            <a:schemeClr val="accent1">
-              <a:shade val="50000"/>
-            </a:schemeClr>
-          </a:lnRef>
-          <a:fillRef idx="1">
-            <a:schemeClr val="accent1"/>
-          </a:fillRef>
-          <a:effectRef idx="0">
-            <a:schemeClr val="accent1"/>
-          </a:effectRef>
-          <a:fontRef idx="minor">
-            <a:schemeClr val="lt1"/>
-          </a:fontRef>
-        </p:style>
-        <p:txBody>
-          <a:bodyPr rtlCol="0" anchor="ctr"/>
-          <a:lstStyle/>
-          <a:p>
-            <a:pPr algn="ctr"/>
-            <a:endParaRPr lang="en-US"/>
-          </a:p>
-        </p:txBody>
-      </p:sp>
-      <p:sp>
-        <p:nvSpPr>
-          <p:cNvPr id="2" name="Title 1">
-            <a:extLst>
-              <a:ext uri="{FF2B5EF4-FFF2-40B4-BE49-F238E27FC236}">
-                <a16:creationId xmlns:a16="http://schemas.microsoft.com/office/drawing/2014/main" id="{671C6E45-1CFA-0244-9983-B243B04FF8FD}"/>
-              </a:ext>
-            </a:extLst>
-          </p:cNvPr>
-          <p:cNvSpPr>
-            <a:spLocks noGrp="1"/>
-          </p:cNvSpPr>
-          <p:nvPr>
-            <p:ph type="ctrTitle"/>
-          </p:nvPr>
-        </p:nvSpPr>
-        <p:spPr>
-          <a:xfrm>
-            <a:off x="4449960" y="1507414"/>
-            <a:ext cx="7295507" cy="3703320"/>
-          </a:xfrm>
-        </p:spPr>
-        <p:txBody>
-          <a:bodyPr anchor="ctr">
-            <a:normAutofit/>
-          </a:bodyPr>
-          <a:lstStyle/>
-          <a:p>
-            <a:r>
-              <a:rPr lang="en-US" sz="4800" dirty="0">
-                <a:solidFill>
-                  <a:schemeClr val="tx2"/>
-                </a:solidFill>
-              </a:rPr>
-              <a:t>OVERALL FINDINGS</a:t>
-            </a:r>
-          </a:p>
-        </p:txBody>
-      </p:sp>
-      <p:sp>
-        <p:nvSpPr>
-          <p:cNvPr id="3" name="Subtitle 2">
-            <a:extLst>
-              <a:ext uri="{FF2B5EF4-FFF2-40B4-BE49-F238E27FC236}">
-                <a16:creationId xmlns:a16="http://schemas.microsoft.com/office/drawing/2014/main" id="{85EF1591-A47A-5745-B8FA-EDE88D5AE0C0}"/>
-              </a:ext>
-            </a:extLst>
-          </p:cNvPr>
-          <p:cNvSpPr>
-            <a:spLocks noGrp="1"/>
-          </p:cNvSpPr>
-          <p:nvPr>
-            <p:ph type="subTitle" idx="1"/>
-          </p:nvPr>
-        </p:nvSpPr>
-        <p:spPr>
-          <a:xfrm>
-            <a:off x="444342" y="1507414"/>
-            <a:ext cx="3330781" cy="3703320"/>
-          </a:xfrm>
-          <a:ln w="57150">
-            <a:noFill/>
-          </a:ln>
-        </p:spPr>
-        <p:txBody>
-          <a:bodyPr anchor="ctr">
-            <a:normAutofit/>
-          </a:bodyPr>
-          <a:lstStyle/>
-          <a:p>
-            <a:pPr algn="r"/>
-            <a:r>
-              <a:rPr lang="en-US" sz="2000" dirty="0">
-                <a:solidFill>
-                  <a:schemeClr val="tx2"/>
-                </a:solidFill>
-              </a:rPr>
-              <a:t> </a:t>
-            </a:r>
-          </a:p>
-        </p:txBody>
-      </p:sp>
-      <p:sp>
-        <p:nvSpPr>
-          <p:cNvPr id="10" name="Rectangle 9">
-            <a:extLst>
-              <a:ext uri="{FF2B5EF4-FFF2-40B4-BE49-F238E27FC236}">
-                <a16:creationId xmlns:a16="http://schemas.microsoft.com/office/drawing/2014/main" id="{B7180431-F4DE-415D-BCBB-9316423C37C1}"/>
-              </a:ext>
-              <a:ext uri="{C183D7F6-B498-43B3-948B-1728B52AA6E4}">
-                <adec:decorative xmlns:adec="http://schemas.microsoft.com/office/drawing/2017/decorative" val="1"/>
-              </a:ext>
-            </a:extLst>
-          </p:cNvPr>
-          <p:cNvSpPr>
-            <a:spLocks noGrp="1" noRot="1" noChangeAspect="1" noMove="1" noResize="1" noEditPoints="1" noAdjustHandles="1" noChangeArrowheads="1" noChangeShapeType="1" noTextEdit="1"/>
-          </p:cNvSpPr>
-          <p:nvPr>
-            <p:extLst>
-              <p:ext uri="{386F3935-93C4-4BCD-93E2-E3B085C9AB24}">
-                <p16:designElem xmlns:p16="http://schemas.microsoft.com/office/powerpoint/2015/main" val="1"/>
-              </p:ext>
-            </p:extLst>
-          </p:nvPr>
-        </p:nvSpPr>
-        <p:spPr>
-          <a:xfrm>
-            <a:off x="446534" y="453642"/>
-            <a:ext cx="11298933" cy="512708"/>
-          </a:xfrm>
-          <a:prstGeom prst="rect">
-            <a:avLst/>
-          </a:prstGeom>
-          <a:solidFill>
-            <a:schemeClr val="accent4"/>
-          </a:solidFill>
-          <a:ln>
-            <a:noFill/>
-          </a:ln>
-          <a:effectLst/>
-        </p:spPr>
-        <p:style>
-          <a:lnRef idx="1">
-            <a:schemeClr val="accent1"/>
-          </a:lnRef>
-          <a:fillRef idx="3">
-            <a:schemeClr val="accent1"/>
-          </a:fillRef>
-          <a:effectRef idx="2">
-            <a:schemeClr val="accent1"/>
-          </a:effectRef>
-          <a:fontRef idx="minor">
-            <a:schemeClr val="lt1"/>
-          </a:fontRef>
-        </p:style>
-      </p:sp>
-      <p:sp>
-        <p:nvSpPr>
-          <p:cNvPr id="12" name="Rectangle 11">
-            <a:extLst>
-              <a:ext uri="{FF2B5EF4-FFF2-40B4-BE49-F238E27FC236}">
-                <a16:creationId xmlns:a16="http://schemas.microsoft.com/office/drawing/2014/main" id="{EEABD997-5EF9-4E9B-AFBB-F6DFAAF3ADF0}"/>
-              </a:ext>
-              <a:ext uri="{C183D7F6-B498-43B3-948B-1728B52AA6E4}">
-                <adec:decorative xmlns:adec="http://schemas.microsoft.com/office/drawing/2017/decorative" val="1"/>
-              </a:ext>
-            </a:extLst>
-          </p:cNvPr>
-          <p:cNvSpPr>
-            <a:spLocks noGrp="1" noRot="1" noChangeAspect="1" noMove="1" noResize="1" noEditPoints="1" noAdjustHandles="1" noChangeArrowheads="1" noChangeShapeType="1" noTextEdit="1"/>
-          </p:cNvSpPr>
-          <p:nvPr>
-            <p:extLst>
-              <p:ext uri="{386F3935-93C4-4BCD-93E2-E3B085C9AB24}">
-                <p16:designElem xmlns:p16="http://schemas.microsoft.com/office/powerpoint/2015/main" val="1"/>
-              </p:ext>
-            </p:extLst>
-          </p:nvPr>
-        </p:nvSpPr>
-        <p:spPr>
-          <a:xfrm rot="16200000" flipV="1">
-            <a:off x="2209064" y="3329711"/>
-            <a:ext cx="3703320" cy="58726"/>
-          </a:xfrm>
-          <a:prstGeom prst="rect">
-            <a:avLst/>
-          </a:prstGeom>
-          <a:solidFill>
-            <a:schemeClr val="accent2"/>
-          </a:solidFill>
-          <a:ln>
-            <a:noFill/>
-          </a:ln>
-          <a:effectLst/>
-        </p:spPr>
-        <p:style>
-          <a:lnRef idx="1">
-            <a:schemeClr val="accent1"/>
-          </a:lnRef>
-          <a:fillRef idx="3">
-            <a:schemeClr val="accent1"/>
-          </a:fillRef>
-          <a:effectRef idx="2">
-            <a:schemeClr val="accent1"/>
-          </a:effectRef>
-          <a:fontRef idx="minor">
-            <a:schemeClr val="lt1"/>
-          </a:fontRef>
-        </p:style>
-      </p:sp>
-      <p:sp>
-        <p:nvSpPr>
-          <p:cNvPr id="14" name="Rectangle 13">
-            <a:extLst>
-              <a:ext uri="{FF2B5EF4-FFF2-40B4-BE49-F238E27FC236}">
-                <a16:creationId xmlns:a16="http://schemas.microsoft.com/office/drawing/2014/main" id="{E9AB5EE6-A047-4B18-B998-D46DF3CC36FE}"/>
-              </a:ext>
-              <a:ext uri="{C183D7F6-B498-43B3-948B-1728B52AA6E4}">
-                <adec:decorative xmlns:adec="http://schemas.microsoft.com/office/drawing/2017/decorative" val="1"/>
-              </a:ext>
-            </a:extLst>
-          </p:cNvPr>
-          <p:cNvSpPr>
-            <a:spLocks noGrp="1" noRot="1" noChangeAspect="1" noMove="1" noResize="1" noEditPoints="1" noAdjustHandles="1" noChangeArrowheads="1" noChangeShapeType="1" noTextEdit="1"/>
-          </p:cNvSpPr>
-          <p:nvPr>
-            <p:extLst>
-              <p:ext uri="{386F3935-93C4-4BCD-93E2-E3B085C9AB24}">
-                <p16:designElem xmlns:p16="http://schemas.microsoft.com/office/powerpoint/2015/main" val="1"/>
-              </p:ext>
-            </p:extLst>
-          </p:nvPr>
-        </p:nvSpPr>
-        <p:spPr>
-          <a:xfrm>
-            <a:off x="446534" y="5878019"/>
-            <a:ext cx="11298933" cy="512708"/>
-          </a:xfrm>
-          <a:prstGeom prst="rect">
-            <a:avLst/>
-          </a:prstGeom>
-          <a:solidFill>
-            <a:schemeClr val="accent4"/>
-          </a:solidFill>
-          <a:ln>
-            <a:noFill/>
-          </a:ln>
-          <a:effectLst/>
-        </p:spPr>
-        <p:style>
-          <a:lnRef idx="1">
-            <a:schemeClr val="accent1"/>
-          </a:lnRef>
-          <a:fillRef idx="3">
-            <a:schemeClr val="accent1"/>
-          </a:fillRef>
-          <a:effectRef idx="2">
-            <a:schemeClr val="accent1"/>
-          </a:effectRef>
-          <a:fontRef idx="minor">
-            <a:schemeClr val="lt1"/>
-          </a:fontRef>
-        </p:style>
-      </p:sp>
-      <p:pic>
-        <p:nvPicPr>
-          <p:cNvPr id="5122" name="Picture 2" descr="Microsoft Logo Png - Free Transparent PNG Logos">
-            <a:extLst>
-              <a:ext uri="{FF2B5EF4-FFF2-40B4-BE49-F238E27FC236}">
-                <a16:creationId xmlns:a16="http://schemas.microsoft.com/office/drawing/2014/main" id="{F4134039-2BE3-E14A-A144-C2DB699226EE}"/>
-              </a:ext>
-            </a:extLst>
-          </p:cNvPr>
-          <p:cNvPicPr>
-            <a:picLocks noChangeAspect="1" noChangeArrowheads="1"/>
-          </p:cNvPicPr>
-          <p:nvPr/>
-        </p:nvPicPr>
-        <p:blipFill>
-          <a:blip r:embed="rId2">
-            <a:extLst>
-              <a:ext uri="{28A0092B-C50C-407E-A947-70E740481C1C}">
-                <a14:useLocalDpi xmlns:a14="http://schemas.microsoft.com/office/drawing/2010/main" val="0"/>
-              </a:ext>
-            </a:extLst>
-          </a:blip>
-          <a:srcRect/>
-          <a:stretch>
-            <a:fillRect/>
-          </a:stretch>
-        </p:blipFill>
-        <p:spPr bwMode="auto">
-          <a:xfrm>
-            <a:off x="896882" y="2234268"/>
-            <a:ext cx="2425700" cy="2425700"/>
-          </a:xfrm>
-          <a:prstGeom prst="rect">
-            <a:avLst/>
-          </a:prstGeom>
-          <a:noFill/>
-          <a:extLst>
-            <a:ext uri="{909E8E84-426E-40DD-AFC4-6F175D3DCCD1}">
-              <a14:hiddenFill xmlns:a14="http://schemas.microsoft.com/office/drawing/2010/main">
-                <a:solidFill>
-                  <a:srgbClr val="FFFFFF"/>
-                </a:solidFill>
-              </a14:hiddenFill>
-            </a:ext>
-          </a:extLst>
-        </p:spPr>
-      </p:pic>
-    </p:spTree>
-    <p:extLst>
-      <p:ext uri="{BB962C8B-B14F-4D97-AF65-F5344CB8AC3E}">
-        <p14:creationId xmlns:p14="http://schemas.microsoft.com/office/powerpoint/2010/main" val="97049403"/>
-      </p:ext>
-    </p:extLst>
-  </p:cSld>
-  <p:clrMapOvr>
-    <a:overrideClrMapping bg1="dk1" tx1="lt1" bg2="dk2" tx2="lt2" accent1="accent1" accent2="accent2" accent3="accent3" accent4="accent4" accent5="accent5" accent6="accent6" hlink="hlink" folHlink="folHlink"/>
-  </p:clrMapOvr>
-</p:sld>
-</file>
-
-<file path=ppt/slides/slide4.xml><?xml version="1.0" encoding="utf-8"?>
 <p:sld xmlns:a="http://schemas.openxmlformats.org/drawingml/2006/main" xmlns:r="http://schemas.openxmlformats.org/officeDocument/2006/relationships" xmlns:p="http://schemas.openxmlformats.org/presentationml/2006/main">
   <p:cSld>
     <p:bg>
@@ -10214,7 +9868,7 @@
 </p:sld>
 </file>
 
-<file path=ppt/slides/slide5.xml><?xml version="1.0" encoding="utf-8"?>
+<file path=ppt/slides/slide4.xml><?xml version="1.0" encoding="utf-8"?>
 <p:sld xmlns:a="http://schemas.openxmlformats.org/drawingml/2006/main" xmlns:r="http://schemas.openxmlformats.org/officeDocument/2006/relationships" xmlns:p="http://schemas.openxmlformats.org/presentationml/2006/main">
   <p:cSld>
     <p:spTree>
@@ -10506,7 +10160,7 @@
 </p:sld>
 </file>
 
-<file path=ppt/slides/slide6.xml><?xml version="1.0" encoding="utf-8"?>
+<file path=ppt/slides/slide5.xml><?xml version="1.0" encoding="utf-8"?>
 <p:sld xmlns:a="http://schemas.openxmlformats.org/drawingml/2006/main" xmlns:r="http://schemas.openxmlformats.org/officeDocument/2006/relationships" xmlns:p="http://schemas.openxmlformats.org/presentationml/2006/main">
   <p:cSld>
     <p:bg>
@@ -11307,7 +10961,7 @@
 </p:sld>
 </file>
 
-<file path=ppt/slides/slide7.xml><?xml version="1.0" encoding="utf-8"?>
+<file path=ppt/slides/slide6.xml><?xml version="1.0" encoding="utf-8"?>
 <p:sld xmlns:a="http://schemas.openxmlformats.org/drawingml/2006/main" xmlns:r="http://schemas.openxmlformats.org/officeDocument/2006/relationships" xmlns:p="http://schemas.openxmlformats.org/presentationml/2006/main">
   <p:cSld>
     <p:spTree>
@@ -12106,7 +11760,7 @@
 </p:sld>
 </file>
 
-<file path=ppt/slides/slide8.xml><?xml version="1.0" encoding="utf-8"?>
+<file path=ppt/slides/slide7.xml><?xml version="1.0" encoding="utf-8"?>
 <p:sld xmlns:a="http://schemas.openxmlformats.org/drawingml/2006/main" xmlns:r="http://schemas.openxmlformats.org/officeDocument/2006/relationships" xmlns:p="http://schemas.openxmlformats.org/presentationml/2006/main">
   <p:cSld>
     <p:bg>
